--- a/ECOMMERCE_2024-LARAVEL 10 Y ANGULAR 17.pptx
+++ b/ECOMMERCE_2024-LARAVEL 10 Y ANGULAR 17.pptx
@@ -17017,13 +17017,13 @@
               <a:buChar char="•"/>
             </a:pPr>
             <a:r>
-              <a:rPr lang="en-US" sz="1800" dirty="0" err="1">
+              <a:rPr lang="en-US" sz="1800" dirty="0" smtClean="0">
                 <a:solidFill>
                   <a:prstClr val="black"/>
                 </a:solidFill>
                 <a:latin typeface="Lucida Console" panose="020B0609040504020204" pitchFamily="49" charset="0"/>
               </a:rPr>
-              <a:t>npx</a:t>
+              <a:t>@</a:t>
             </a:r>
             <a:r>
               <a:rPr lang="en-US" sz="1800" dirty="0">
@@ -17032,7 +17032,7 @@
                 </a:solidFill>
                 <a:latin typeface="Lucida Console" panose="020B0609040504020204" pitchFamily="49" charset="0"/>
               </a:rPr>
-              <a:t> @angular/cli@17.0.7 new</a:t>
+              <a:t>angular/cli@17.0.7 </a:t>
             </a:r>
             <a:endParaRPr lang="es-MX" dirty="0">
               <a:solidFill>
@@ -17520,39 +17520,6 @@
             </a:endParaRPr>
           </a:p>
           <a:p>
-            <a:pPr marL="285750" indent="-285750">
-              <a:buFont typeface="Arial" panose="020B0604020202020204" pitchFamily="34" charset="0"/>
-              <a:buChar char="•"/>
-            </a:pPr>
-            <a:r>
-              <a:rPr lang="es-MX" dirty="0">
-                <a:solidFill>
-                  <a:schemeClr val="tx1">
-                    <a:lumMod val="75000"/>
-                    <a:lumOff val="25000"/>
-                  </a:schemeClr>
-                </a:solidFill>
-                <a:hlinkClick r:id="rId2"/>
-              </a:rPr>
-              <a:t>https://www.binaryboxtuts.com/php-tutorials/laravel-8-json-web-tokenjwt-authentication/</a:t>
-            </a:r>
-            <a:r>
-              <a:rPr lang="es-MX" dirty="0">
-                <a:solidFill>
-                  <a:schemeClr val="tx1">
-                    <a:lumMod val="75000"/>
-                    <a:lumOff val="25000"/>
-                  </a:schemeClr>
-                </a:solidFill>
-              </a:rPr>
-              <a:t> </a:t>
-            </a:r>
-          </a:p>
-          <a:p>
-            <a:pPr marL="285750" indent="-285750">
-              <a:buFont typeface="Arial" panose="020B0604020202020204" pitchFamily="34" charset="0"/>
-              <a:buChar char="•"/>
-            </a:pPr>
             <a:endParaRPr lang="es-MX" dirty="0">
               <a:solidFill>
                 <a:schemeClr val="tx1">
@@ -17599,7 +17566,7 @@
             <p:nvPr/>
           </p:nvPicPr>
           <p:blipFill>
-            <a:blip r:embed="rId3">
+            <a:blip r:embed="rId2">
               <a:extLst>
                 <a:ext uri="{28A0092B-C50C-407E-A947-70E740481C1C}">
                   <a14:useLocalDpi xmlns:a14="http://schemas.microsoft.com/office/drawing/2010/main" val="0"/>
@@ -17646,7 +17613,7 @@
             <p:nvPr/>
           </p:nvPicPr>
           <p:blipFill>
-            <a:blip r:embed="rId4"/>
+            <a:blip r:embed="rId3"/>
             <a:stretch>
               <a:fillRect/>
             </a:stretch>
@@ -17697,7 +17664,7 @@
             <p:nvPr/>
           </p:nvPicPr>
           <p:blipFill>
-            <a:blip r:embed="rId3">
+            <a:blip r:embed="rId2">
               <a:extLst>
                 <a:ext uri="{28A0092B-C50C-407E-A947-70E740481C1C}">
                   <a14:useLocalDpi xmlns:a14="http://schemas.microsoft.com/office/drawing/2010/main" val="0"/>
@@ -17744,7 +17711,7 @@
             <p:nvPr/>
           </p:nvPicPr>
           <p:blipFill>
-            <a:blip r:embed="rId5"/>
+            <a:blip r:embed="rId4"/>
             <a:stretch>
               <a:fillRect/>
             </a:stretch>
@@ -17775,7 +17742,7 @@
           <p:nvPr/>
         </p:nvPicPr>
         <p:blipFill rotWithShape="1">
-          <a:blip r:embed="rId6" cstate="print">
+          <a:blip r:embed="rId5" cstate="print">
             <a:extLst>
               <a:ext uri="{28A0092B-C50C-407E-A947-70E740481C1C}">
                 <a14:useLocalDpi xmlns:a14="http://schemas.microsoft.com/office/drawing/2010/main" val="0"/>
@@ -17805,308 +17772,6 @@
           </a:extLst>
         </p:spPr>
       </p:pic>
-      <p:sp>
-        <p:nvSpPr>
-          <p:cNvPr id="14" name="CuadroTexto 13">
-            <a:extLst>
-              <a:ext uri="{FF2B5EF4-FFF2-40B4-BE49-F238E27FC236}">
-                <a16:creationId xmlns:a16="http://schemas.microsoft.com/office/drawing/2014/main" id="{E9A6A85E-EBBA-FB72-436D-A989A74037C8}"/>
-              </a:ext>
-            </a:extLst>
-          </p:cNvPr>
-          <p:cNvSpPr txBox="1"/>
-          <p:nvPr/>
-        </p:nvSpPr>
-        <p:spPr>
-          <a:xfrm>
-            <a:off x="7833592" y="391696"/>
-            <a:ext cx="2139350" cy="369332"/>
-          </a:xfrm>
-          <a:prstGeom prst="rect">
-            <a:avLst/>
-          </a:prstGeom>
-          <a:noFill/>
-        </p:spPr>
-        <p:txBody>
-          <a:bodyPr wrap="square">
-            <a:spAutoFit/>
-          </a:bodyPr>
-          <a:lstStyle/>
-          <a:p>
-            <a:pPr marL="0" marR="0" lvl="0" indent="0" algn="l" defTabSz="914400" rtl="0" eaLnBrk="0" fontAlgn="base" latinLnBrk="0" hangingPunct="0">
-              <a:lnSpc>
-                <a:spcPct val="100000"/>
-              </a:lnSpc>
-              <a:spcBef>
-                <a:spcPct val="0"/>
-              </a:spcBef>
-              <a:spcAft>
-                <a:spcPct val="0"/>
-              </a:spcAft>
-              <a:buClrTx/>
-              <a:buSzTx/>
-              <a:buFontTx/>
-              <a:buNone/>
-              <a:tabLst/>
-            </a:pPr>
-            <a:r>
-              <a:rPr kumimoji="0" lang="es-PE" altLang="es-PE" sz="1800" b="0" i="0" u="none" strike="noStrike" cap="none" normalizeH="0" baseline="0" dirty="0" err="1">
-                <a:ln>
-                  <a:noFill/>
-                </a:ln>
-                <a:solidFill>
-                  <a:srgbClr val="DD4A68"/>
-                </a:solidFill>
-                <a:effectLst/>
-                <a:latin typeface="inherit"/>
-              </a:rPr>
-              <a:t>npm</a:t>
-            </a:r>
-            <a:r>
-              <a:rPr kumimoji="0" lang="es-PE" altLang="es-PE" sz="1800" b="0" i="0" u="none" strike="noStrike" cap="none" normalizeH="0" baseline="0" dirty="0">
-                <a:ln>
-                  <a:noFill/>
-                </a:ln>
-                <a:solidFill>
-                  <a:srgbClr val="000000"/>
-                </a:solidFill>
-                <a:effectLst/>
-                <a:latin typeface="Consolas" panose="020B0609020204030204" pitchFamily="49" charset="0"/>
-              </a:rPr>
-              <a:t> </a:t>
-            </a:r>
-            <a:r>
-              <a:rPr kumimoji="0" lang="es-PE" altLang="es-PE" sz="1800" b="0" i="0" u="none" strike="noStrike" cap="none" normalizeH="0" baseline="0" dirty="0" err="1">
-                <a:ln>
-                  <a:noFill/>
-                </a:ln>
-                <a:solidFill>
-                  <a:srgbClr val="DD4A68"/>
-                </a:solidFill>
-                <a:effectLst/>
-                <a:latin typeface="inherit"/>
-              </a:rPr>
-              <a:t>install</a:t>
-            </a:r>
-            <a:r>
-              <a:rPr kumimoji="0" lang="es-PE" altLang="es-PE" sz="1800" b="0" i="0" u="none" strike="noStrike" cap="none" normalizeH="0" baseline="0" dirty="0">
-                <a:ln>
-                  <a:noFill/>
-                </a:ln>
-                <a:solidFill>
-                  <a:srgbClr val="000000"/>
-                </a:solidFill>
-                <a:effectLst/>
-                <a:latin typeface="Consolas" panose="020B0609020204030204" pitchFamily="49" charset="0"/>
-              </a:rPr>
-              <a:t> </a:t>
-            </a:r>
-            <a:r>
-              <a:rPr kumimoji="0" lang="es-PE" altLang="es-PE" sz="1800" b="0" i="0" u="none" strike="noStrike" cap="none" normalizeH="0" baseline="0" dirty="0">
-                <a:ln>
-                  <a:noFill/>
-                </a:ln>
-                <a:solidFill>
-                  <a:srgbClr val="EE9900"/>
-                </a:solidFill>
-                <a:effectLst/>
-                <a:latin typeface="inherit"/>
-              </a:rPr>
-              <a:t>-g</a:t>
-            </a:r>
-            <a:r>
-              <a:rPr kumimoji="0" lang="es-PE" altLang="es-PE" sz="1800" b="0" i="0" u="none" strike="noStrike" cap="none" normalizeH="0" baseline="0" dirty="0">
-                <a:ln>
-                  <a:noFill/>
-                </a:ln>
-                <a:solidFill>
-                  <a:srgbClr val="000000"/>
-                </a:solidFill>
-                <a:effectLst/>
-                <a:latin typeface="Consolas" panose="020B0609020204030204" pitchFamily="49" charset="0"/>
-              </a:rPr>
-              <a:t> </a:t>
-            </a:r>
-            <a:r>
-              <a:rPr kumimoji="0" lang="es-PE" altLang="es-PE" sz="1800" b="0" i="0" u="none" strike="noStrike" cap="none" normalizeH="0" baseline="0" dirty="0" err="1">
-                <a:ln>
-                  <a:noFill/>
-                </a:ln>
-                <a:solidFill>
-                  <a:srgbClr val="000000"/>
-                </a:solidFill>
-                <a:effectLst/>
-                <a:latin typeface="Consolas" panose="020B0609020204030204" pitchFamily="49" charset="0"/>
-              </a:rPr>
-              <a:t>npx</a:t>
-            </a:r>
-            <a:r>
-              <a:rPr kumimoji="0" lang="es-PE" altLang="es-PE" sz="1400" b="0" i="0" u="none" strike="noStrike" cap="none" normalizeH="0" baseline="0" dirty="0">
-                <a:ln>
-                  <a:noFill/>
-                </a:ln>
-                <a:solidFill>
-                  <a:schemeClr val="tx1"/>
-                </a:solidFill>
-                <a:effectLst/>
-              </a:rPr>
-              <a:t> </a:t>
-            </a:r>
-            <a:endParaRPr kumimoji="0" lang="es-PE" altLang="es-PE" sz="4000" b="0" i="0" u="none" strike="noStrike" cap="none" normalizeH="0" baseline="0" dirty="0">
-              <a:ln>
-                <a:noFill/>
-              </a:ln>
-              <a:solidFill>
-                <a:schemeClr val="tx1"/>
-              </a:solidFill>
-              <a:effectLst/>
-              <a:latin typeface="Arial" panose="020B0604020202020204" pitchFamily="34" charset="0"/>
-            </a:endParaRPr>
-          </a:p>
-        </p:txBody>
-      </p:sp>
-      <p:sp>
-        <p:nvSpPr>
-          <p:cNvPr id="13" name="CuadroTexto 12">
-            <a:extLst>
-              <a:ext uri="{FF2B5EF4-FFF2-40B4-BE49-F238E27FC236}">
-                <a16:creationId xmlns:a16="http://schemas.microsoft.com/office/drawing/2014/main" id="{55A2ADC7-E888-A4B6-6855-78A336DF611A}"/>
-              </a:ext>
-            </a:extLst>
-          </p:cNvPr>
-          <p:cNvSpPr txBox="1"/>
-          <p:nvPr/>
-        </p:nvSpPr>
-        <p:spPr>
-          <a:xfrm>
-            <a:off x="6097398" y="6029450"/>
-            <a:ext cx="6094602" cy="369332"/>
-          </a:xfrm>
-          <a:prstGeom prst="rect">
-            <a:avLst/>
-          </a:prstGeom>
-          <a:noFill/>
-        </p:spPr>
-        <p:txBody>
-          <a:bodyPr wrap="square">
-            <a:spAutoFit/>
-          </a:bodyPr>
-          <a:lstStyle/>
-          <a:p>
-            <a:r>
-              <a:rPr lang="es-PE" b="0" i="0" dirty="0">
-                <a:solidFill>
-                  <a:srgbClr val="FF0000"/>
-                </a:solidFill>
-                <a:effectLst/>
-                <a:latin typeface="Code-Pro-JetBrains-Mono"/>
-              </a:rPr>
-              <a:t>ng </a:t>
-            </a:r>
-            <a:r>
-              <a:rPr lang="es-PE" b="0" i="0" dirty="0" err="1">
-                <a:solidFill>
-                  <a:srgbClr val="FF0000"/>
-                </a:solidFill>
-                <a:effectLst/>
-                <a:latin typeface="Code-Pro-JetBrains-Mono"/>
-              </a:rPr>
-              <a:t>add</a:t>
-            </a:r>
-            <a:r>
-              <a:rPr lang="es-PE" b="0" i="0" dirty="0">
-                <a:solidFill>
-                  <a:srgbClr val="FF0000"/>
-                </a:solidFill>
-                <a:effectLst/>
-                <a:latin typeface="Code-Pro-JetBrains-Mono"/>
-              </a:rPr>
-              <a:t> @angular/ssr</a:t>
-            </a:r>
-            <a:endParaRPr lang="es-PE" dirty="0">
-              <a:solidFill>
-                <a:srgbClr val="FF0000"/>
-              </a:solidFill>
-            </a:endParaRPr>
-          </a:p>
-        </p:txBody>
-      </p:sp>
-      <p:sp>
-        <p:nvSpPr>
-          <p:cNvPr id="15" name="CuadroTexto 14">
-            <a:extLst>
-              <a:ext uri="{FF2B5EF4-FFF2-40B4-BE49-F238E27FC236}">
-                <a16:creationId xmlns:a16="http://schemas.microsoft.com/office/drawing/2014/main" id="{8650D61C-060B-BE13-0A62-7AE98B471621}"/>
-              </a:ext>
-            </a:extLst>
-          </p:cNvPr>
-          <p:cNvSpPr txBox="1"/>
-          <p:nvPr/>
-        </p:nvSpPr>
-        <p:spPr>
-          <a:xfrm>
-            <a:off x="5890879" y="6398782"/>
-            <a:ext cx="3491219" cy="338554"/>
-          </a:xfrm>
-          <a:prstGeom prst="rect">
-            <a:avLst/>
-          </a:prstGeom>
-          <a:noFill/>
-        </p:spPr>
-        <p:txBody>
-          <a:bodyPr wrap="square">
-            <a:spAutoFit/>
-          </a:bodyPr>
-          <a:lstStyle/>
-          <a:p>
-            <a:r>
-              <a:rPr lang="es-PE" sz="1600" b="0" i="0" dirty="0">
-                <a:solidFill>
-                  <a:srgbClr val="FF0000"/>
-                </a:solidFill>
-                <a:effectLst/>
-                <a:latin typeface="Roboto Mono" panose="00000009000000000000" pitchFamily="49" charset="0"/>
-              </a:rPr>
-              <a:t>ng </a:t>
-            </a:r>
-            <a:r>
-              <a:rPr lang="es-PE" sz="1600" b="0" i="0" dirty="0" err="1">
-                <a:solidFill>
-                  <a:srgbClr val="FF0000"/>
-                </a:solidFill>
-                <a:effectLst/>
-                <a:latin typeface="Roboto Mono" panose="00000009000000000000" pitchFamily="49" charset="0"/>
-              </a:rPr>
-              <a:t>generate</a:t>
-            </a:r>
-            <a:r>
-              <a:rPr lang="es-PE" sz="1600" b="0" i="0" dirty="0">
-                <a:solidFill>
-                  <a:srgbClr val="FF0000"/>
-                </a:solidFill>
-                <a:effectLst/>
-                <a:latin typeface="Roboto Mono" panose="00000009000000000000" pitchFamily="49" charset="0"/>
-              </a:rPr>
-              <a:t> </a:t>
-            </a:r>
-            <a:r>
-              <a:rPr lang="es-PE" sz="1600" b="0" i="0" dirty="0" err="1">
-                <a:solidFill>
-                  <a:srgbClr val="FF0000"/>
-                </a:solidFill>
-                <a:effectLst/>
-                <a:latin typeface="Roboto Mono" panose="00000009000000000000" pitchFamily="49" charset="0"/>
-              </a:rPr>
-              <a:t>environments</a:t>
-            </a:r>
-            <a:endParaRPr lang="es-PE" sz="1600" dirty="0">
-              <a:solidFill>
-                <a:srgbClr val="FF0000"/>
-              </a:solidFill>
-            </a:endParaRPr>
-          </a:p>
-        </p:txBody>
-      </p:sp>
     </p:spTree>
     <p:extLst>
       <p:ext uri="{BB962C8B-B14F-4D97-AF65-F5344CB8AC3E}">
